--- a/Paper/MedPhys/Figures.pptx
+++ b/Paper/MedPhys/Figures.pptx
@@ -243,7 +243,7 @@
           <a:p>
             <a:fld id="{CED44730-8609-42F6-A1F6-0EFDC4C66E50}" type="datetimeFigureOut">
               <a:rPr lang="en-US" smtClean="0"/>
-              <a:t>2/15/2024</a:t>
+              <a:t>1/5/2025</a:t>
             </a:fld>
             <a:endParaRPr lang="en-US"/>
           </a:p>
@@ -413,7 +413,7 @@
           <a:p>
             <a:fld id="{CED44730-8609-42F6-A1F6-0EFDC4C66E50}" type="datetimeFigureOut">
               <a:rPr lang="en-US" smtClean="0"/>
-              <a:t>2/15/2024</a:t>
+              <a:t>1/5/2025</a:t>
             </a:fld>
             <a:endParaRPr lang="en-US"/>
           </a:p>
@@ -593,7 +593,7 @@
           <a:p>
             <a:fld id="{CED44730-8609-42F6-A1F6-0EFDC4C66E50}" type="datetimeFigureOut">
               <a:rPr lang="en-US" smtClean="0"/>
-              <a:t>2/15/2024</a:t>
+              <a:t>1/5/2025</a:t>
             </a:fld>
             <a:endParaRPr lang="en-US"/>
           </a:p>
@@ -763,7 +763,7 @@
           <a:p>
             <a:fld id="{CED44730-8609-42F6-A1F6-0EFDC4C66E50}" type="datetimeFigureOut">
               <a:rPr lang="en-US" smtClean="0"/>
-              <a:t>2/15/2024</a:t>
+              <a:t>1/5/2025</a:t>
             </a:fld>
             <a:endParaRPr lang="en-US"/>
           </a:p>
@@ -1007,7 +1007,7 @@
           <a:p>
             <a:fld id="{CED44730-8609-42F6-A1F6-0EFDC4C66E50}" type="datetimeFigureOut">
               <a:rPr lang="en-US" smtClean="0"/>
-              <a:t>2/15/2024</a:t>
+              <a:t>1/5/2025</a:t>
             </a:fld>
             <a:endParaRPr lang="en-US"/>
           </a:p>
@@ -1239,7 +1239,7 @@
           <a:p>
             <a:fld id="{CED44730-8609-42F6-A1F6-0EFDC4C66E50}" type="datetimeFigureOut">
               <a:rPr lang="en-US" smtClean="0"/>
-              <a:t>2/15/2024</a:t>
+              <a:t>1/5/2025</a:t>
             </a:fld>
             <a:endParaRPr lang="en-US"/>
           </a:p>
@@ -1606,7 +1606,7 @@
           <a:p>
             <a:fld id="{CED44730-8609-42F6-A1F6-0EFDC4C66E50}" type="datetimeFigureOut">
               <a:rPr lang="en-US" smtClean="0"/>
-              <a:t>2/15/2024</a:t>
+              <a:t>1/5/2025</a:t>
             </a:fld>
             <a:endParaRPr lang="en-US"/>
           </a:p>
@@ -1724,7 +1724,7 @@
           <a:p>
             <a:fld id="{CED44730-8609-42F6-A1F6-0EFDC4C66E50}" type="datetimeFigureOut">
               <a:rPr lang="en-US" smtClean="0"/>
-              <a:t>2/15/2024</a:t>
+              <a:t>1/5/2025</a:t>
             </a:fld>
             <a:endParaRPr lang="en-US"/>
           </a:p>
@@ -1819,7 +1819,7 @@
           <a:p>
             <a:fld id="{CED44730-8609-42F6-A1F6-0EFDC4C66E50}" type="datetimeFigureOut">
               <a:rPr lang="en-US" smtClean="0"/>
-              <a:t>2/15/2024</a:t>
+              <a:t>1/5/2025</a:t>
             </a:fld>
             <a:endParaRPr lang="en-US"/>
           </a:p>
@@ -2096,7 +2096,7 @@
           <a:p>
             <a:fld id="{CED44730-8609-42F6-A1F6-0EFDC4C66E50}" type="datetimeFigureOut">
               <a:rPr lang="en-US" smtClean="0"/>
-              <a:t>2/15/2024</a:t>
+              <a:t>1/5/2025</a:t>
             </a:fld>
             <a:endParaRPr lang="en-US"/>
           </a:p>
@@ -2353,7 +2353,7 @@
           <a:p>
             <a:fld id="{CED44730-8609-42F6-A1F6-0EFDC4C66E50}" type="datetimeFigureOut">
               <a:rPr lang="en-US" smtClean="0"/>
-              <a:t>2/15/2024</a:t>
+              <a:t>1/5/2025</a:t>
             </a:fld>
             <a:endParaRPr lang="en-US"/>
           </a:p>
@@ -2566,7 +2566,7 @@
           <a:p>
             <a:fld id="{CED44730-8609-42F6-A1F6-0EFDC4C66E50}" type="datetimeFigureOut">
               <a:rPr lang="en-US" smtClean="0"/>
-              <a:t>2/15/2024</a:t>
+              <a:t>1/5/2025</a:t>
             </a:fld>
             <a:endParaRPr lang="en-US"/>
           </a:p>
@@ -2973,10 +2973,10 @@
       </p:grpSpPr>
       <p:grpSp>
         <p:nvGrpSpPr>
-          <p:cNvPr id="21" name="Group 20">
+          <p:cNvPr id="26" name="Group 25">
             <a:extLst>
               <a:ext uri="{FF2B5EF4-FFF2-40B4-BE49-F238E27FC236}">
-                <a16:creationId xmlns:a16="http://schemas.microsoft.com/office/drawing/2014/main" id="{274A84EB-B5C3-815E-3994-1DD743390AC4}"/>
+                <a16:creationId xmlns:a16="http://schemas.microsoft.com/office/drawing/2014/main" id="{5D6D2EB1-CD0A-71F7-2910-A9248C22CE53}"/>
               </a:ext>
             </a:extLst>
           </p:cNvPr>
@@ -2991,94 +2991,560 @@
             <a:chExt cx="22917154" cy="18094852"/>
           </a:xfrm>
         </p:grpSpPr>
-        <p:sp>
-          <p:nvSpPr>
-            <p:cNvPr id="25" name="Rectangle 24">
+        <p:grpSp>
+          <p:nvGrpSpPr>
+            <p:cNvPr id="21" name="Group 20">
               <a:extLst>
                 <a:ext uri="{FF2B5EF4-FFF2-40B4-BE49-F238E27FC236}">
-                  <a16:creationId xmlns:a16="http://schemas.microsoft.com/office/drawing/2014/main" id="{8067355D-A229-513C-95C3-7FF3FA990003}"/>
+                  <a16:creationId xmlns:a16="http://schemas.microsoft.com/office/drawing/2014/main" id="{274A84EB-B5C3-815E-3994-1DD743390AC4}"/>
                 </a:ext>
               </a:extLst>
             </p:cNvPr>
-            <p:cNvSpPr/>
+            <p:cNvGrpSpPr/>
             <p:nvPr/>
-          </p:nvSpPr>
-          <p:spPr>
+          </p:nvGrpSpPr>
+          <p:grpSpPr>
             <a:xfrm>
               <a:off x="2407750" y="1709530"/>
               <a:ext cx="22917154" cy="18094852"/>
+              <a:chOff x="2407750" y="1709530"/>
+              <a:chExt cx="22917154" cy="18094852"/>
             </a:xfrm>
-            <a:prstGeom prst="rect">
-              <a:avLst/>
-            </a:prstGeom>
-            <a:solidFill>
-              <a:schemeClr val="bg1"/>
-            </a:solidFill>
-            <a:ln>
+          </p:grpSpPr>
+          <p:sp>
+            <p:nvSpPr>
+              <p:cNvPr id="25" name="Rectangle 24">
+                <a:extLst>
+                  <a:ext uri="{FF2B5EF4-FFF2-40B4-BE49-F238E27FC236}">
+                    <a16:creationId xmlns:a16="http://schemas.microsoft.com/office/drawing/2014/main" id="{8067355D-A229-513C-95C3-7FF3FA990003}"/>
+                  </a:ext>
+                </a:extLst>
+              </p:cNvPr>
+              <p:cNvSpPr/>
+              <p:nvPr/>
+            </p:nvSpPr>
+            <p:spPr>
+              <a:xfrm>
+                <a:off x="2407750" y="1709530"/>
+                <a:ext cx="22917154" cy="18094852"/>
+              </a:xfrm>
+              <a:prstGeom prst="rect">
+                <a:avLst/>
+              </a:prstGeom>
+              <a:solidFill>
+                <a:schemeClr val="bg1"/>
+              </a:solidFill>
+              <a:ln>
+                <a:noFill/>
+              </a:ln>
+            </p:spPr>
+            <p:style>
+              <a:lnRef idx="2">
+                <a:schemeClr val="accent1">
+                  <a:shade val="15000"/>
+                </a:schemeClr>
+              </a:lnRef>
+              <a:fillRef idx="1">
+                <a:schemeClr val="accent1"/>
+              </a:fillRef>
+              <a:effectRef idx="0">
+                <a:schemeClr val="accent1"/>
+              </a:effectRef>
+              <a:fontRef idx="minor">
+                <a:schemeClr val="lt1"/>
+              </a:fontRef>
+            </p:style>
+            <p:txBody>
+              <a:bodyPr rtlCol="0" anchor="ctr"/>
+              <a:lstStyle/>
+              <a:p>
+                <a:pPr algn="ctr"/>
+                <a:endParaRPr lang="en-US"/>
+              </a:p>
+            </p:txBody>
+          </p:sp>
+          <p:pic>
+            <p:nvPicPr>
+              <p:cNvPr id="13" name="Picture 12">
+                <a:extLst>
+                  <a:ext uri="{FF2B5EF4-FFF2-40B4-BE49-F238E27FC236}">
+                    <a16:creationId xmlns:a16="http://schemas.microsoft.com/office/drawing/2014/main" id="{500F9F37-D5B5-556C-E22A-9AE215A40160}"/>
+                  </a:ext>
+                </a:extLst>
+              </p:cNvPr>
+              <p:cNvPicPr>
+                <a:picLocks noChangeAspect="1"/>
+              </p:cNvPicPr>
+              <p:nvPr/>
+            </p:nvPicPr>
+            <p:blipFill>
+              <a:blip r:embed="rId2"/>
+              <a:stretch>
+                <a:fillRect/>
+              </a:stretch>
+            </p:blipFill>
+            <p:spPr>
+              <a:xfrm>
+                <a:off x="18407210" y="15087005"/>
+                <a:ext cx="6617040" cy="4635738"/>
+              </a:xfrm>
+              <a:prstGeom prst="rect">
+                <a:avLst/>
+              </a:prstGeom>
+            </p:spPr>
+          </p:pic>
+          <p:pic>
+            <p:nvPicPr>
+              <p:cNvPr id="7" name="Picture 6">
+                <a:extLst>
+                  <a:ext uri="{FF2B5EF4-FFF2-40B4-BE49-F238E27FC236}">
+                    <a16:creationId xmlns:a16="http://schemas.microsoft.com/office/drawing/2014/main" id="{DBB0109D-760A-5453-77BF-F44E2B06317D}"/>
+                  </a:ext>
+                </a:extLst>
+              </p:cNvPr>
+              <p:cNvPicPr>
+                <a:picLocks noChangeAspect="1"/>
+              </p:cNvPicPr>
+              <p:nvPr/>
+            </p:nvPicPr>
+            <p:blipFill>
+              <a:blip r:embed="rId2"/>
+              <a:stretch>
+                <a:fillRect/>
+              </a:stretch>
+            </p:blipFill>
+            <p:spPr>
+              <a:xfrm>
+                <a:off x="2519529" y="15087005"/>
+                <a:ext cx="6617040" cy="4635738"/>
+              </a:xfrm>
+              <a:prstGeom prst="rect">
+                <a:avLst/>
+              </a:prstGeom>
+            </p:spPr>
+          </p:pic>
+          <p:sp>
+            <p:nvSpPr>
+              <p:cNvPr id="3" name="Rectangle 2">
+                <a:extLst>
+                  <a:ext uri="{FF2B5EF4-FFF2-40B4-BE49-F238E27FC236}">
+                    <a16:creationId xmlns:a16="http://schemas.microsoft.com/office/drawing/2014/main" id="{1ACF0AF9-6D73-968F-7EC8-FC9216270E0C}"/>
+                  </a:ext>
+                </a:extLst>
+              </p:cNvPr>
+              <p:cNvSpPr/>
+              <p:nvPr/>
+            </p:nvSpPr>
+            <p:spPr>
+              <a:xfrm>
+                <a:off x="11133206" y="15168645"/>
+                <a:ext cx="4457701" cy="4635737"/>
+              </a:xfrm>
+              <a:prstGeom prst="rect">
+                <a:avLst/>
+              </a:prstGeom>
               <a:noFill/>
-            </a:ln>
-          </p:spPr>
-          <p:style>
-            <a:lnRef idx="2">
-              <a:schemeClr val="accent1">
-                <a:shade val="15000"/>
-              </a:schemeClr>
-            </a:lnRef>
-            <a:fillRef idx="1">
-              <a:schemeClr val="accent1"/>
-            </a:fillRef>
-            <a:effectRef idx="0">
-              <a:schemeClr val="accent1"/>
-            </a:effectRef>
-            <a:fontRef idx="minor">
-              <a:schemeClr val="lt1"/>
-            </a:fontRef>
-          </p:style>
-          <p:txBody>
-            <a:bodyPr rtlCol="0" anchor="ctr"/>
-            <a:lstStyle/>
-            <a:p>
-              <a:pPr algn="ctr"/>
-              <a:endParaRPr lang="en-US"/>
-            </a:p>
-          </p:txBody>
-        </p:sp>
+              <a:ln w="88900">
+                <a:solidFill>
+                  <a:schemeClr val="tx1"/>
+                </a:solidFill>
+              </a:ln>
+            </p:spPr>
+            <p:style>
+              <a:lnRef idx="2">
+                <a:schemeClr val="accent1">
+                  <a:shade val="15000"/>
+                </a:schemeClr>
+              </a:lnRef>
+              <a:fillRef idx="1">
+                <a:schemeClr val="accent1"/>
+              </a:fillRef>
+              <a:effectRef idx="0">
+                <a:schemeClr val="accent1"/>
+              </a:effectRef>
+              <a:fontRef idx="minor">
+                <a:schemeClr val="lt1"/>
+              </a:fontRef>
+            </p:style>
+            <p:txBody>
+              <a:bodyPr rtlCol="0" anchor="ctr"/>
+              <a:lstStyle/>
+              <a:p>
+                <a:pPr algn="ctr"/>
+                <a:endParaRPr lang="en-US" dirty="0"/>
+              </a:p>
+            </p:txBody>
+          </p:sp>
+          <p:sp>
+            <p:nvSpPr>
+              <p:cNvPr id="4" name="TextBox 3">
+                <a:extLst>
+                  <a:ext uri="{FF2B5EF4-FFF2-40B4-BE49-F238E27FC236}">
+                    <a16:creationId xmlns:a16="http://schemas.microsoft.com/office/drawing/2014/main" id="{31243C9D-2FBB-6A03-919A-E220F5457CE3}"/>
+                  </a:ext>
+                </a:extLst>
+              </p:cNvPr>
+              <p:cNvSpPr txBox="1"/>
+              <p:nvPr/>
+            </p:nvSpPr>
+            <p:spPr>
+              <a:xfrm>
+                <a:off x="11133206" y="15295775"/>
+                <a:ext cx="3973731" cy="523220"/>
+              </a:xfrm>
+              <a:prstGeom prst="rect">
+                <a:avLst/>
+              </a:prstGeom>
+              <a:noFill/>
+            </p:spPr>
+            <p:txBody>
+              <a:bodyPr wrap="square" rtlCol="0">
+                <a:spAutoFit/>
+              </a:bodyPr>
+              <a:lstStyle/>
+              <a:p>
+                <a:r>
+                  <a:rPr lang="en-US" sz="2800" dirty="0"/>
+                  <a:t>CT  : 2.16.840.1.114362…</a:t>
+                </a:r>
+              </a:p>
+            </p:txBody>
+          </p:sp>
+          <p:sp>
+            <p:nvSpPr>
+              <p:cNvPr id="5" name="TextBox 4">
+                <a:extLst>
+                  <a:ext uri="{FF2B5EF4-FFF2-40B4-BE49-F238E27FC236}">
+                    <a16:creationId xmlns:a16="http://schemas.microsoft.com/office/drawing/2014/main" id="{71D73429-B126-E572-89C1-F30BE12939D2}"/>
+                  </a:ext>
+                </a:extLst>
+              </p:cNvPr>
+              <p:cNvSpPr txBox="1"/>
+              <p:nvPr/>
+            </p:nvSpPr>
+            <p:spPr>
+              <a:xfrm>
+                <a:off x="11133205" y="15859356"/>
+                <a:ext cx="3973731" cy="523220"/>
+              </a:xfrm>
+              <a:prstGeom prst="rect">
+                <a:avLst/>
+              </a:prstGeom>
+              <a:noFill/>
+            </p:spPr>
+            <p:txBody>
+              <a:bodyPr wrap="square" rtlCol="0">
+                <a:spAutoFit/>
+              </a:bodyPr>
+              <a:lstStyle/>
+              <a:p>
+                <a:r>
+                  <a:rPr lang="en-US" sz="2800" dirty="0"/>
+                  <a:t>MR : 1.11.40.1.1234122…</a:t>
+                </a:r>
+              </a:p>
+            </p:txBody>
+          </p:sp>
+          <p:sp>
+            <p:nvSpPr>
+              <p:cNvPr id="6" name="TextBox 5">
+                <a:extLst>
+                  <a:ext uri="{FF2B5EF4-FFF2-40B4-BE49-F238E27FC236}">
+                    <a16:creationId xmlns:a16="http://schemas.microsoft.com/office/drawing/2014/main" id="{C95837FA-5395-D567-EB91-A0838A09B7D7}"/>
+                  </a:ext>
+                </a:extLst>
+              </p:cNvPr>
+              <p:cNvSpPr txBox="1"/>
+              <p:nvPr/>
+            </p:nvSpPr>
+            <p:spPr>
+              <a:xfrm rot="5400000">
+                <a:off x="11790639" y="17727729"/>
+                <a:ext cx="3142834" cy="707886"/>
+              </a:xfrm>
+              <a:prstGeom prst="rect">
+                <a:avLst/>
+              </a:prstGeom>
+              <a:noFill/>
+            </p:spPr>
+            <p:txBody>
+              <a:bodyPr wrap="square" rtlCol="0">
+                <a:spAutoFit/>
+              </a:bodyPr>
+              <a:lstStyle/>
+              <a:p>
+                <a:r>
+                  <a:rPr lang="en-US" sz="4000" dirty="0"/>
+                  <a:t>…………………</a:t>
+                </a:r>
+              </a:p>
+            </p:txBody>
+          </p:sp>
+          <p:sp>
+            <p:nvSpPr>
+              <p:cNvPr id="9" name="TextBox 8">
+                <a:extLst>
+                  <a:ext uri="{FF2B5EF4-FFF2-40B4-BE49-F238E27FC236}">
+                    <a16:creationId xmlns:a16="http://schemas.microsoft.com/office/drawing/2014/main" id="{44F8E320-4DD8-A6A9-8003-ABFA21800EC1}"/>
+                  </a:ext>
+                </a:extLst>
+              </p:cNvPr>
+              <p:cNvSpPr txBox="1"/>
+              <p:nvPr/>
+            </p:nvSpPr>
+            <p:spPr>
+              <a:xfrm>
+                <a:off x="10796194" y="13253630"/>
+                <a:ext cx="4794713" cy="1569660"/>
+              </a:xfrm>
+              <a:prstGeom prst="rect">
+                <a:avLst/>
+              </a:prstGeom>
+              <a:noFill/>
+            </p:spPr>
+            <p:txBody>
+              <a:bodyPr wrap="square" rtlCol="0">
+                <a:spAutoFit/>
+              </a:bodyPr>
+              <a:lstStyle/>
+              <a:p>
+                <a:pPr algn="ctr"/>
+                <a:r>
+                  <a:rPr lang="en-US" sz="3200" dirty="0"/>
+                  <a:t>Group images based on their unique series instance UID and modality</a:t>
+                </a:r>
+              </a:p>
+            </p:txBody>
+          </p:sp>
+          <p:sp>
+            <p:nvSpPr>
+              <p:cNvPr id="8" name="Arrow: Right 7">
+                <a:extLst>
+                  <a:ext uri="{FF2B5EF4-FFF2-40B4-BE49-F238E27FC236}">
+                    <a16:creationId xmlns:a16="http://schemas.microsoft.com/office/drawing/2014/main" id="{AC3DE339-6A0A-BAF5-3829-49A7839FE983}"/>
+                  </a:ext>
+                </a:extLst>
+              </p:cNvPr>
+              <p:cNvSpPr/>
+              <p:nvPr/>
+            </p:nvSpPr>
+            <p:spPr>
+              <a:xfrm>
+                <a:off x="7222594" y="16054210"/>
+                <a:ext cx="4339140" cy="2716673"/>
+              </a:xfrm>
+              <a:prstGeom prst="rightArrow">
+                <a:avLst/>
+              </a:prstGeom>
+            </p:spPr>
+            <p:style>
+              <a:lnRef idx="2">
+                <a:schemeClr val="accent1">
+                  <a:shade val="15000"/>
+                </a:schemeClr>
+              </a:lnRef>
+              <a:fillRef idx="1">
+                <a:schemeClr val="accent1"/>
+              </a:fillRef>
+              <a:effectRef idx="0">
+                <a:schemeClr val="accent1"/>
+              </a:effectRef>
+              <a:fontRef idx="minor">
+                <a:schemeClr val="lt1"/>
+              </a:fontRef>
+            </p:style>
+            <p:txBody>
+              <a:bodyPr rtlCol="0" anchor="ctr"/>
+              <a:lstStyle/>
+              <a:p>
+                <a:pPr algn="ctr"/>
+                <a:r>
+                  <a:rPr lang="en-US" sz="3600" dirty="0"/>
+                  <a:t>Step 1: Characterize</a:t>
+                </a:r>
+              </a:p>
+            </p:txBody>
+          </p:sp>
+          <p:sp>
+            <p:nvSpPr>
+              <p:cNvPr id="10" name="TextBox 9">
+                <a:extLst>
+                  <a:ext uri="{FF2B5EF4-FFF2-40B4-BE49-F238E27FC236}">
+                    <a16:creationId xmlns:a16="http://schemas.microsoft.com/office/drawing/2014/main" id="{2A5F3405-380E-C822-F553-D829EFCF749B}"/>
+                  </a:ext>
+                </a:extLst>
+              </p:cNvPr>
+              <p:cNvSpPr txBox="1"/>
+              <p:nvPr/>
+            </p:nvSpPr>
+            <p:spPr>
+              <a:xfrm>
+                <a:off x="3430692" y="13171987"/>
+                <a:ext cx="4794713" cy="1569660"/>
+              </a:xfrm>
+              <a:prstGeom prst="rect">
+                <a:avLst/>
+              </a:prstGeom>
+              <a:noFill/>
+            </p:spPr>
+            <p:txBody>
+              <a:bodyPr wrap="square" rtlCol="0">
+                <a:spAutoFit/>
+              </a:bodyPr>
+              <a:lstStyle/>
+              <a:p>
+                <a:pPr algn="ctr"/>
+                <a:r>
+                  <a:rPr lang="en-US" sz="3200" dirty="0"/>
+                  <a:t>Selected folder with many DICOM images and modalities</a:t>
+                </a:r>
+              </a:p>
+            </p:txBody>
+          </p:sp>
+          <p:sp>
+            <p:nvSpPr>
+              <p:cNvPr id="12" name="Arrow: Right 11">
+                <a:extLst>
+                  <a:ext uri="{FF2B5EF4-FFF2-40B4-BE49-F238E27FC236}">
+                    <a16:creationId xmlns:a16="http://schemas.microsoft.com/office/drawing/2014/main" id="{976D3D8D-717B-052E-8B3C-B5A19E15AE97}"/>
+                  </a:ext>
+                </a:extLst>
+              </p:cNvPr>
+              <p:cNvSpPr/>
+              <p:nvPr/>
+            </p:nvSpPr>
+            <p:spPr>
+              <a:xfrm>
+                <a:off x="15106936" y="15946125"/>
+                <a:ext cx="4339140" cy="2716673"/>
+              </a:xfrm>
+              <a:prstGeom prst="rightArrow">
+                <a:avLst/>
+              </a:prstGeom>
+            </p:spPr>
+            <p:style>
+              <a:lnRef idx="2">
+                <a:schemeClr val="accent1">
+                  <a:shade val="15000"/>
+                </a:schemeClr>
+              </a:lnRef>
+              <a:fillRef idx="1">
+                <a:schemeClr val="accent1"/>
+              </a:fillRef>
+              <a:effectRef idx="0">
+                <a:schemeClr val="accent1"/>
+              </a:effectRef>
+              <a:fontRef idx="minor">
+                <a:schemeClr val="lt1"/>
+              </a:fontRef>
+            </p:style>
+            <p:txBody>
+              <a:bodyPr rtlCol="0" anchor="ctr"/>
+              <a:lstStyle/>
+              <a:p>
+                <a:pPr algn="ctr"/>
+                <a:r>
+                  <a:rPr lang="en-US" sz="3600" dirty="0"/>
+                  <a:t>Step 2: </a:t>
+                </a:r>
+              </a:p>
+              <a:p>
+                <a:pPr algn="ctr"/>
+                <a:r>
+                  <a:rPr lang="en-US" sz="3600" dirty="0"/>
+                  <a:t>Change</a:t>
+                </a:r>
+              </a:p>
+            </p:txBody>
+          </p:sp>
+          <p:sp>
+            <p:nvSpPr>
+              <p:cNvPr id="14" name="TextBox 13">
+                <a:extLst>
+                  <a:ext uri="{FF2B5EF4-FFF2-40B4-BE49-F238E27FC236}">
+                    <a16:creationId xmlns:a16="http://schemas.microsoft.com/office/drawing/2014/main" id="{AC5674C2-3852-A3B4-0662-811AFE337E8D}"/>
+                  </a:ext>
+                </a:extLst>
+              </p:cNvPr>
+              <p:cNvSpPr txBox="1"/>
+              <p:nvPr/>
+            </p:nvSpPr>
+            <p:spPr>
+              <a:xfrm>
+                <a:off x="19318373" y="13171987"/>
+                <a:ext cx="4794713" cy="1569660"/>
+              </a:xfrm>
+              <a:prstGeom prst="rect">
+                <a:avLst/>
+              </a:prstGeom>
+              <a:noFill/>
+            </p:spPr>
+            <p:txBody>
+              <a:bodyPr wrap="square" rtlCol="0">
+                <a:spAutoFit/>
+              </a:bodyPr>
+              <a:lstStyle/>
+              <a:p>
+                <a:pPr algn="ctr"/>
+                <a:r>
+                  <a:rPr lang="en-US" sz="3200" dirty="0"/>
+                  <a:t>Based on selected attributes and modalities, each group is changed</a:t>
+                </a:r>
+              </a:p>
+            </p:txBody>
+          </p:sp>
+          <p:cxnSp>
+            <p:nvCxnSpPr>
+              <p:cNvPr id="19" name="Connector: Curved 18">
+                <a:extLst>
+                  <a:ext uri="{FF2B5EF4-FFF2-40B4-BE49-F238E27FC236}">
+                    <a16:creationId xmlns:a16="http://schemas.microsoft.com/office/drawing/2014/main" id="{005BDD64-7767-207D-D8B6-418E68EFFDBF}"/>
+                  </a:ext>
+                </a:extLst>
+              </p:cNvPr>
+              <p:cNvCxnSpPr>
+                <a:cxnSpLocks/>
+                <a:stCxn id="20" idx="2"/>
+                <a:endCxn id="10" idx="0"/>
+              </p:cNvCxnSpPr>
+              <p:nvPr/>
+            </p:nvCxnSpPr>
+            <p:spPr>
+              <a:xfrm rot="5400000">
+                <a:off x="8962971" y="8418959"/>
+                <a:ext cx="1618106" cy="7887950"/>
+              </a:xfrm>
+              <a:prstGeom prst="curvedConnector3">
+                <a:avLst>
+                  <a:gd name="adj1" fmla="val 50000"/>
+                </a:avLst>
+              </a:prstGeom>
+              <a:ln w="317500">
+                <a:tailEnd type="triangle"/>
+              </a:ln>
+            </p:spPr>
+            <p:style>
+              <a:lnRef idx="1">
+                <a:schemeClr val="accent1"/>
+              </a:lnRef>
+              <a:fillRef idx="0">
+                <a:schemeClr val="accent1"/>
+              </a:fillRef>
+              <a:effectRef idx="0">
+                <a:schemeClr val="accent1"/>
+              </a:effectRef>
+              <a:fontRef idx="minor">
+                <a:schemeClr val="tx1"/>
+              </a:fontRef>
+            </p:style>
+          </p:cxnSp>
+        </p:grpSp>
         <p:pic>
           <p:nvPicPr>
-            <p:cNvPr id="16" name="Picture 15">
+            <p:cNvPr id="20" name="Picture 19">
               <a:extLst>
                 <a:ext uri="{FF2B5EF4-FFF2-40B4-BE49-F238E27FC236}">
-                  <a16:creationId xmlns:a16="http://schemas.microsoft.com/office/drawing/2014/main" id="{FCD78136-BBEB-F385-CCDC-E99BDDE75676}"/>
-                </a:ext>
-              </a:extLst>
-            </p:cNvPr>
-            <p:cNvPicPr>
-              <a:picLocks noChangeAspect="1"/>
-            </p:cNvPicPr>
-            <p:nvPr/>
-          </p:nvPicPr>
-          <p:blipFill>
-            <a:blip r:embed="rId2"/>
-            <a:stretch>
-              <a:fillRect/>
-            </a:stretch>
-          </p:blipFill>
-          <p:spPr>
-            <a:xfrm>
-              <a:off x="6987595" y="1922950"/>
-              <a:ext cx="13386469" cy="9668004"/>
-            </a:xfrm>
-            <a:prstGeom prst="rect">
-              <a:avLst/>
-            </a:prstGeom>
-          </p:spPr>
-        </p:pic>
-        <p:pic>
-          <p:nvPicPr>
-            <p:cNvPr id="13" name="Picture 12">
-              <a:extLst>
-                <a:ext uri="{FF2B5EF4-FFF2-40B4-BE49-F238E27FC236}">
-                  <a16:creationId xmlns:a16="http://schemas.microsoft.com/office/drawing/2014/main" id="{500F9F37-D5B5-556C-E22A-9AE215A40160}"/>
+                  <a16:creationId xmlns:a16="http://schemas.microsoft.com/office/drawing/2014/main" id="{6810AF08-A48F-4F7C-5655-BBF3DC70FC20}"/>
                 </a:ext>
               </a:extLst>
             </p:cNvPr>
@@ -3095,459 +3561,14 @@
           </p:blipFill>
           <p:spPr>
             <a:xfrm>
-              <a:off x="18407210" y="15087005"/>
-              <a:ext cx="6617040" cy="4635738"/>
+              <a:off x="6996753" y="1990154"/>
+              <a:ext cx="13438492" cy="9563727"/>
             </a:xfrm>
             <a:prstGeom prst="rect">
               <a:avLst/>
             </a:prstGeom>
           </p:spPr>
         </p:pic>
-        <p:pic>
-          <p:nvPicPr>
-            <p:cNvPr id="7" name="Picture 6">
-              <a:extLst>
-                <a:ext uri="{FF2B5EF4-FFF2-40B4-BE49-F238E27FC236}">
-                  <a16:creationId xmlns:a16="http://schemas.microsoft.com/office/drawing/2014/main" id="{DBB0109D-760A-5453-77BF-F44E2B06317D}"/>
-                </a:ext>
-              </a:extLst>
-            </p:cNvPr>
-            <p:cNvPicPr>
-              <a:picLocks noChangeAspect="1"/>
-            </p:cNvPicPr>
-            <p:nvPr/>
-          </p:nvPicPr>
-          <p:blipFill>
-            <a:blip r:embed="rId3"/>
-            <a:stretch>
-              <a:fillRect/>
-            </a:stretch>
-          </p:blipFill>
-          <p:spPr>
-            <a:xfrm>
-              <a:off x="2519529" y="15087005"/>
-              <a:ext cx="6617040" cy="4635738"/>
-            </a:xfrm>
-            <a:prstGeom prst="rect">
-              <a:avLst/>
-            </a:prstGeom>
-          </p:spPr>
-        </p:pic>
-        <p:sp>
-          <p:nvSpPr>
-            <p:cNvPr id="3" name="Rectangle 2">
-              <a:extLst>
-                <a:ext uri="{FF2B5EF4-FFF2-40B4-BE49-F238E27FC236}">
-                  <a16:creationId xmlns:a16="http://schemas.microsoft.com/office/drawing/2014/main" id="{1ACF0AF9-6D73-968F-7EC8-FC9216270E0C}"/>
-                </a:ext>
-              </a:extLst>
-            </p:cNvPr>
-            <p:cNvSpPr/>
-            <p:nvPr/>
-          </p:nvSpPr>
-          <p:spPr>
-            <a:xfrm>
-              <a:off x="11133206" y="15168645"/>
-              <a:ext cx="4457701" cy="4635737"/>
-            </a:xfrm>
-            <a:prstGeom prst="rect">
-              <a:avLst/>
-            </a:prstGeom>
-            <a:noFill/>
-            <a:ln w="88900">
-              <a:solidFill>
-                <a:schemeClr val="tx1"/>
-              </a:solidFill>
-            </a:ln>
-          </p:spPr>
-          <p:style>
-            <a:lnRef idx="2">
-              <a:schemeClr val="accent1">
-                <a:shade val="15000"/>
-              </a:schemeClr>
-            </a:lnRef>
-            <a:fillRef idx="1">
-              <a:schemeClr val="accent1"/>
-            </a:fillRef>
-            <a:effectRef idx="0">
-              <a:schemeClr val="accent1"/>
-            </a:effectRef>
-            <a:fontRef idx="minor">
-              <a:schemeClr val="lt1"/>
-            </a:fontRef>
-          </p:style>
-          <p:txBody>
-            <a:bodyPr rtlCol="0" anchor="ctr"/>
-            <a:lstStyle/>
-            <a:p>
-              <a:pPr algn="ctr"/>
-              <a:endParaRPr lang="en-US" dirty="0"/>
-            </a:p>
-          </p:txBody>
-        </p:sp>
-        <p:sp>
-          <p:nvSpPr>
-            <p:cNvPr id="4" name="TextBox 3">
-              <a:extLst>
-                <a:ext uri="{FF2B5EF4-FFF2-40B4-BE49-F238E27FC236}">
-                  <a16:creationId xmlns:a16="http://schemas.microsoft.com/office/drawing/2014/main" id="{31243C9D-2FBB-6A03-919A-E220F5457CE3}"/>
-                </a:ext>
-              </a:extLst>
-            </p:cNvPr>
-            <p:cNvSpPr txBox="1"/>
-            <p:nvPr/>
-          </p:nvSpPr>
-          <p:spPr>
-            <a:xfrm>
-              <a:off x="11133206" y="15295775"/>
-              <a:ext cx="3973731" cy="523220"/>
-            </a:xfrm>
-            <a:prstGeom prst="rect">
-              <a:avLst/>
-            </a:prstGeom>
-            <a:noFill/>
-          </p:spPr>
-          <p:txBody>
-            <a:bodyPr wrap="square" rtlCol="0">
-              <a:spAutoFit/>
-            </a:bodyPr>
-            <a:lstStyle/>
-            <a:p>
-              <a:r>
-                <a:rPr lang="en-US" sz="2800" dirty="0"/>
-                <a:t>CT  : 2.16.840.1.114362…</a:t>
-              </a:r>
-            </a:p>
-          </p:txBody>
-        </p:sp>
-        <p:sp>
-          <p:nvSpPr>
-            <p:cNvPr id="5" name="TextBox 4">
-              <a:extLst>
-                <a:ext uri="{FF2B5EF4-FFF2-40B4-BE49-F238E27FC236}">
-                  <a16:creationId xmlns:a16="http://schemas.microsoft.com/office/drawing/2014/main" id="{71D73429-B126-E572-89C1-F30BE12939D2}"/>
-                </a:ext>
-              </a:extLst>
-            </p:cNvPr>
-            <p:cNvSpPr txBox="1"/>
-            <p:nvPr/>
-          </p:nvSpPr>
-          <p:spPr>
-            <a:xfrm>
-              <a:off x="11133205" y="15859356"/>
-              <a:ext cx="3973731" cy="523220"/>
-            </a:xfrm>
-            <a:prstGeom prst="rect">
-              <a:avLst/>
-            </a:prstGeom>
-            <a:noFill/>
-          </p:spPr>
-          <p:txBody>
-            <a:bodyPr wrap="square" rtlCol="0">
-              <a:spAutoFit/>
-            </a:bodyPr>
-            <a:lstStyle/>
-            <a:p>
-              <a:r>
-                <a:rPr lang="en-US" sz="2800" dirty="0"/>
-                <a:t>MR : 1.11.40.1.1234122…</a:t>
-              </a:r>
-            </a:p>
-          </p:txBody>
-        </p:sp>
-        <p:sp>
-          <p:nvSpPr>
-            <p:cNvPr id="6" name="TextBox 5">
-              <a:extLst>
-                <a:ext uri="{FF2B5EF4-FFF2-40B4-BE49-F238E27FC236}">
-                  <a16:creationId xmlns:a16="http://schemas.microsoft.com/office/drawing/2014/main" id="{C95837FA-5395-D567-EB91-A0838A09B7D7}"/>
-                </a:ext>
-              </a:extLst>
-            </p:cNvPr>
-            <p:cNvSpPr txBox="1"/>
-            <p:nvPr/>
-          </p:nvSpPr>
-          <p:spPr>
-            <a:xfrm rot="5400000">
-              <a:off x="11790639" y="17727729"/>
-              <a:ext cx="3142834" cy="707886"/>
-            </a:xfrm>
-            <a:prstGeom prst="rect">
-              <a:avLst/>
-            </a:prstGeom>
-            <a:noFill/>
-          </p:spPr>
-          <p:txBody>
-            <a:bodyPr wrap="square" rtlCol="0">
-              <a:spAutoFit/>
-            </a:bodyPr>
-            <a:lstStyle/>
-            <a:p>
-              <a:r>
-                <a:rPr lang="en-US" sz="4000" dirty="0"/>
-                <a:t>…………………</a:t>
-              </a:r>
-            </a:p>
-          </p:txBody>
-        </p:sp>
-        <p:sp>
-          <p:nvSpPr>
-            <p:cNvPr id="9" name="TextBox 8">
-              <a:extLst>
-                <a:ext uri="{FF2B5EF4-FFF2-40B4-BE49-F238E27FC236}">
-                  <a16:creationId xmlns:a16="http://schemas.microsoft.com/office/drawing/2014/main" id="{44F8E320-4DD8-A6A9-8003-ABFA21800EC1}"/>
-                </a:ext>
-              </a:extLst>
-            </p:cNvPr>
-            <p:cNvSpPr txBox="1"/>
-            <p:nvPr/>
-          </p:nvSpPr>
-          <p:spPr>
-            <a:xfrm>
-              <a:off x="10796194" y="13253630"/>
-              <a:ext cx="4794713" cy="1569660"/>
-            </a:xfrm>
-            <a:prstGeom prst="rect">
-              <a:avLst/>
-            </a:prstGeom>
-            <a:noFill/>
-          </p:spPr>
-          <p:txBody>
-            <a:bodyPr wrap="square" rtlCol="0">
-              <a:spAutoFit/>
-            </a:bodyPr>
-            <a:lstStyle/>
-            <a:p>
-              <a:pPr algn="ctr"/>
-              <a:r>
-                <a:rPr lang="en-US" sz="3200" dirty="0"/>
-                <a:t>Group images based on their unique series instance UID and modality</a:t>
-              </a:r>
-            </a:p>
-          </p:txBody>
-        </p:sp>
-        <p:sp>
-          <p:nvSpPr>
-            <p:cNvPr id="8" name="Arrow: Right 7">
-              <a:extLst>
-                <a:ext uri="{FF2B5EF4-FFF2-40B4-BE49-F238E27FC236}">
-                  <a16:creationId xmlns:a16="http://schemas.microsoft.com/office/drawing/2014/main" id="{AC3DE339-6A0A-BAF5-3829-49A7839FE983}"/>
-                </a:ext>
-              </a:extLst>
-            </p:cNvPr>
-            <p:cNvSpPr/>
-            <p:nvPr/>
-          </p:nvSpPr>
-          <p:spPr>
-            <a:xfrm>
-              <a:off x="7222594" y="16054210"/>
-              <a:ext cx="4339140" cy="2716673"/>
-            </a:xfrm>
-            <a:prstGeom prst="rightArrow">
-              <a:avLst/>
-            </a:prstGeom>
-          </p:spPr>
-          <p:style>
-            <a:lnRef idx="2">
-              <a:schemeClr val="accent1">
-                <a:shade val="15000"/>
-              </a:schemeClr>
-            </a:lnRef>
-            <a:fillRef idx="1">
-              <a:schemeClr val="accent1"/>
-            </a:fillRef>
-            <a:effectRef idx="0">
-              <a:schemeClr val="accent1"/>
-            </a:effectRef>
-            <a:fontRef idx="minor">
-              <a:schemeClr val="lt1"/>
-            </a:fontRef>
-          </p:style>
-          <p:txBody>
-            <a:bodyPr rtlCol="0" anchor="ctr"/>
-            <a:lstStyle/>
-            <a:p>
-              <a:pPr algn="ctr"/>
-              <a:r>
-                <a:rPr lang="en-US" sz="3600" dirty="0"/>
-                <a:t>Step 1: Characterize</a:t>
-              </a:r>
-            </a:p>
-          </p:txBody>
-        </p:sp>
-        <p:sp>
-          <p:nvSpPr>
-            <p:cNvPr id="10" name="TextBox 9">
-              <a:extLst>
-                <a:ext uri="{FF2B5EF4-FFF2-40B4-BE49-F238E27FC236}">
-                  <a16:creationId xmlns:a16="http://schemas.microsoft.com/office/drawing/2014/main" id="{2A5F3405-380E-C822-F553-D829EFCF749B}"/>
-                </a:ext>
-              </a:extLst>
-            </p:cNvPr>
-            <p:cNvSpPr txBox="1"/>
-            <p:nvPr/>
-          </p:nvSpPr>
-          <p:spPr>
-            <a:xfrm>
-              <a:off x="3430692" y="13171987"/>
-              <a:ext cx="4794713" cy="1569660"/>
-            </a:xfrm>
-            <a:prstGeom prst="rect">
-              <a:avLst/>
-            </a:prstGeom>
-            <a:noFill/>
-          </p:spPr>
-          <p:txBody>
-            <a:bodyPr wrap="square" rtlCol="0">
-              <a:spAutoFit/>
-            </a:bodyPr>
-            <a:lstStyle/>
-            <a:p>
-              <a:pPr algn="ctr"/>
-              <a:r>
-                <a:rPr lang="en-US" sz="3200" dirty="0"/>
-                <a:t>Selected folder with many DICOM images and modalities</a:t>
-              </a:r>
-            </a:p>
-          </p:txBody>
-        </p:sp>
-        <p:sp>
-          <p:nvSpPr>
-            <p:cNvPr id="12" name="Arrow: Right 11">
-              <a:extLst>
-                <a:ext uri="{FF2B5EF4-FFF2-40B4-BE49-F238E27FC236}">
-                  <a16:creationId xmlns:a16="http://schemas.microsoft.com/office/drawing/2014/main" id="{976D3D8D-717B-052E-8B3C-B5A19E15AE97}"/>
-                </a:ext>
-              </a:extLst>
-            </p:cNvPr>
-            <p:cNvSpPr/>
-            <p:nvPr/>
-          </p:nvSpPr>
-          <p:spPr>
-            <a:xfrm>
-              <a:off x="15106936" y="15946125"/>
-              <a:ext cx="4339140" cy="2716673"/>
-            </a:xfrm>
-            <a:prstGeom prst="rightArrow">
-              <a:avLst/>
-            </a:prstGeom>
-          </p:spPr>
-          <p:style>
-            <a:lnRef idx="2">
-              <a:schemeClr val="accent1">
-                <a:shade val="15000"/>
-              </a:schemeClr>
-            </a:lnRef>
-            <a:fillRef idx="1">
-              <a:schemeClr val="accent1"/>
-            </a:fillRef>
-            <a:effectRef idx="0">
-              <a:schemeClr val="accent1"/>
-            </a:effectRef>
-            <a:fontRef idx="minor">
-              <a:schemeClr val="lt1"/>
-            </a:fontRef>
-          </p:style>
-          <p:txBody>
-            <a:bodyPr rtlCol="0" anchor="ctr"/>
-            <a:lstStyle/>
-            <a:p>
-              <a:pPr algn="ctr"/>
-              <a:r>
-                <a:rPr lang="en-US" sz="3600" dirty="0"/>
-                <a:t>Step 2: </a:t>
-              </a:r>
-            </a:p>
-            <a:p>
-              <a:pPr algn="ctr"/>
-              <a:r>
-                <a:rPr lang="en-US" sz="3600" dirty="0"/>
-                <a:t>Change</a:t>
-              </a:r>
-            </a:p>
-          </p:txBody>
-        </p:sp>
-        <p:sp>
-          <p:nvSpPr>
-            <p:cNvPr id="14" name="TextBox 13">
-              <a:extLst>
-                <a:ext uri="{FF2B5EF4-FFF2-40B4-BE49-F238E27FC236}">
-                  <a16:creationId xmlns:a16="http://schemas.microsoft.com/office/drawing/2014/main" id="{AC5674C2-3852-A3B4-0662-811AFE337E8D}"/>
-                </a:ext>
-              </a:extLst>
-            </p:cNvPr>
-            <p:cNvSpPr txBox="1"/>
-            <p:nvPr/>
-          </p:nvSpPr>
-          <p:spPr>
-            <a:xfrm>
-              <a:off x="19318373" y="13171987"/>
-              <a:ext cx="4794713" cy="1569660"/>
-            </a:xfrm>
-            <a:prstGeom prst="rect">
-              <a:avLst/>
-            </a:prstGeom>
-            <a:noFill/>
-          </p:spPr>
-          <p:txBody>
-            <a:bodyPr wrap="square" rtlCol="0">
-              <a:spAutoFit/>
-            </a:bodyPr>
-            <a:lstStyle/>
-            <a:p>
-              <a:pPr algn="ctr"/>
-              <a:r>
-                <a:rPr lang="en-US" sz="3200" dirty="0"/>
-                <a:t>Based on selected attributes and modalities, each group is changed</a:t>
-              </a:r>
-            </a:p>
-          </p:txBody>
-        </p:sp>
-        <p:cxnSp>
-          <p:nvCxnSpPr>
-            <p:cNvPr id="19" name="Connector: Curved 18">
-              <a:extLst>
-                <a:ext uri="{FF2B5EF4-FFF2-40B4-BE49-F238E27FC236}">
-                  <a16:creationId xmlns:a16="http://schemas.microsoft.com/office/drawing/2014/main" id="{005BDD64-7767-207D-D8B6-418E68EFFDBF}"/>
-                </a:ext>
-              </a:extLst>
-            </p:cNvPr>
-            <p:cNvCxnSpPr>
-              <a:cxnSpLocks/>
-              <a:stCxn id="16" idx="2"/>
-              <a:endCxn id="10" idx="0"/>
-            </p:cNvCxnSpPr>
-            <p:nvPr/>
-          </p:nvCxnSpPr>
-          <p:spPr>
-            <a:xfrm rot="5400000">
-              <a:off x="8963924" y="8455080"/>
-              <a:ext cx="1581033" cy="7852781"/>
-            </a:xfrm>
-            <a:prstGeom prst="curvedConnector3">
-              <a:avLst>
-                <a:gd name="adj1" fmla="val 50000"/>
-              </a:avLst>
-            </a:prstGeom>
-            <a:ln w="317500">
-              <a:tailEnd type="triangle"/>
-            </a:ln>
-          </p:spPr>
-          <p:style>
-            <a:lnRef idx="1">
-              <a:schemeClr val="accent1"/>
-            </a:lnRef>
-            <a:fillRef idx="0">
-              <a:schemeClr val="accent1"/>
-            </a:fillRef>
-            <a:effectRef idx="0">
-              <a:schemeClr val="accent1"/>
-            </a:effectRef>
-            <a:fontRef idx="minor">
-              <a:schemeClr val="tx1"/>
-            </a:fontRef>
-          </p:style>
-        </p:cxnSp>
       </p:grpSp>
     </p:spTree>
     <p:extLst>
